--- a/Lectures/pptx/O_Introduction.pptx
+++ b/Lectures/pptx/O_Introduction.pptx
@@ -6350,7 +6350,7 @@
         <p:spPr>
           <a:xfrm>
             <a:off x="1259632" y="1700808"/>
-            <a:ext cx="5616624" cy="3985706"/>
+            <a:ext cx="5616624" cy="3816429"/>
           </a:xfrm>
           <a:prstGeom prst="rect">
             <a:avLst/>
@@ -6417,17 +6417,6 @@
                 <a:spcPts val="0"/>
               </a:spcAft>
             </a:pPr>
-            <a:endParaRPr lang="en-GB" sz="1100" dirty="0" smtClean="0">
-              <a:latin typeface="+mj-lt"/>
-              <a:ea typeface="Calibri" panose="020F0502020204030204" pitchFamily="34" charset="0"/>
-            </a:endParaRPr>
-          </a:p>
-          <a:p>
-            <a:pPr>
-              <a:spcAft>
-                <a:spcPts val="0"/>
-              </a:spcAft>
-            </a:pPr>
             <a:r>
               <a:rPr lang="en-GB" sz="1100" dirty="0">
                 <a:latin typeface="+mj-lt"/>
@@ -6592,21 +6581,7 @@
                 <a:latin typeface="+mj-lt"/>
                 <a:ea typeface="Calibri" panose="020F0502020204030204" pitchFamily="34" charset="0"/>
               </a:rPr>
-              <a:t> on </a:t>
-            </a:r>
-            <a:r>
-              <a:rPr lang="en-GB" sz="1100" dirty="0" smtClean="0">
-                <a:latin typeface="+mj-lt"/>
-                <a:ea typeface="Calibri" panose="020F0502020204030204" pitchFamily="34" charset="0"/>
-              </a:rPr>
-              <a:t>CPUs</a:t>
-            </a:r>
-            <a:r>
-              <a:rPr lang="en-GB" sz="1100" dirty="0" smtClean="0">
-                <a:latin typeface="+mj-lt"/>
-                <a:ea typeface="Calibri" panose="020F0502020204030204" pitchFamily="34" charset="0"/>
-              </a:rPr>
-              <a:t>.</a:t>
+              <a:t> on CPUs.</a:t>
             </a:r>
             <a:endParaRPr lang="en-GB" sz="1100" dirty="0">
               <a:latin typeface="+mj-lt"/>
@@ -7137,7 +7112,7 @@
         <a:effectLst/>
         <a:extLst>
           <a:ext uri="{AF507438-7753-43e0-B8FC-AC1667EBCBE1}">
-            <a14:hiddenEffects xmlns:a14="http://schemas.microsoft.com/office/drawing/2010/main" xmlns="">
+            <a14:hiddenEffects xmlns="" xmlns:a14="http://schemas.microsoft.com/office/drawing/2010/main">
               <a:effectLst>
                 <a:outerShdw blurRad="63500" dist="38099" dir="2700000" algn="ctr" rotWithShape="0">
                   <a:schemeClr val="bg2">
@@ -7213,7 +7188,7 @@
         <a:effectLst/>
         <a:extLst>
           <a:ext uri="{AF507438-7753-43e0-B8FC-AC1667EBCBE1}">
-            <a14:hiddenEffects xmlns:a14="http://schemas.microsoft.com/office/drawing/2010/main" xmlns="">
+            <a14:hiddenEffects xmlns="" xmlns:a14="http://schemas.microsoft.com/office/drawing/2010/main">
               <a:effectLst>
                 <a:outerShdw blurRad="63500" dist="38099" dir="2700000" algn="ctr" rotWithShape="0">
                   <a:schemeClr val="bg2">
@@ -8276,6 +8251,24 @@
 </file>
 
 <file path=customXml/item1.xml><?xml version="1.0" encoding="utf-8"?>
+<p:properties xmlns:p="http://schemas.microsoft.com/office/2006/metadata/properties" xmlns:xsi="http://www.w3.org/2001/XMLSchema-instance" xmlns:pc="http://schemas.microsoft.com/office/infopath/2007/PartnerControls">
+  <documentManagement>
+    <PublishingExpirationDate xmlns="http://schemas.microsoft.com/sharepoint/v3" xsi:nil="true"/>
+    <PublishingStartDate xmlns="http://schemas.microsoft.com/sharepoint/v3" xsi:nil="true"/>
+  </documentManagement>
+</p:properties>
+</file>
+
+<file path=customXml/item2.xml><?xml version="1.0" encoding="utf-8"?>
+<?mso-contentType ?>
+<FormTemplates xmlns="http://schemas.microsoft.com/sharepoint/v3/contenttype/forms">
+  <Display>DocumentLibraryForm</Display>
+  <Edit>DocumentLibraryForm</Edit>
+  <New>DocumentLibraryForm</New>
+</FormTemplates>
+</file>
+
+<file path=customXml/item3.xml><?xml version="1.0" encoding="utf-8"?>
 <ct:contentTypeSchema xmlns:ct="http://schemas.microsoft.com/office/2006/metadata/contentType" xmlns:ma="http://schemas.microsoft.com/office/2006/metadata/properties/metaAttributes" ct:_="" ma:_="" ma:contentTypeName="Document" ma:contentTypeID="0x010100F087B862386F8A48840A2142C0600765" ma:contentTypeVersion="1" ma:contentTypeDescription="Create a new document." ma:contentTypeScope="" ma:versionID="68e7a6ad2ab34d836eda56dc5c7bc733">
   <xsd:schema xmlns:xsd="http://www.w3.org/2001/XMLSchema" xmlns:xs="http://www.w3.org/2001/XMLSchema" xmlns:p="http://schemas.microsoft.com/office/2006/metadata/properties" xmlns:ns1="http://schemas.microsoft.com/sharepoint/v3" targetNamespace="http://schemas.microsoft.com/office/2006/metadata/properties" ma:root="true" ma:fieldsID="48c5b5cd9b8d25ff6dd15848836f4270" ns1:_="">
     <xsd:import namespace="http://schemas.microsoft.com/sharepoint/v3"/>
@@ -8407,25 +8400,31 @@
 </ct:contentTypeSchema>
 </file>
 
-<file path=customXml/item2.xml><?xml version="1.0" encoding="utf-8"?>
-<?mso-contentType ?>
-<FormTemplates xmlns="http://schemas.microsoft.com/sharepoint/v3/contenttype/forms">
-  <Display>DocumentLibraryForm</Display>
-  <Edit>DocumentLibraryForm</Edit>
-  <New>DocumentLibraryForm</New>
-</FormTemplates>
+<file path=customXml/itemProps1.xml><?xml version="1.0" encoding="utf-8"?>
+<ds:datastoreItem xmlns:ds="http://schemas.openxmlformats.org/officeDocument/2006/customXml" ds:itemID="{D83787E9-855B-43BD-8382-B7C63B9BC33D}">
+  <ds:schemaRefs>
+    <ds:schemaRef ds:uri="http://schemas.microsoft.com/office/2006/metadata/properties"/>
+    <ds:schemaRef ds:uri="http://schemas.microsoft.com/sharepoint/v3"/>
+    <ds:schemaRef ds:uri="http://purl.org/dc/terms/"/>
+    <ds:schemaRef ds:uri="http://schemas.openxmlformats.org/package/2006/metadata/core-properties"/>
+    <ds:schemaRef ds:uri="http://schemas.microsoft.com/office/2006/documentManagement/types"/>
+    <ds:schemaRef ds:uri="http://schemas.microsoft.com/office/infopath/2007/PartnerControls"/>
+    <ds:schemaRef ds:uri="http://purl.org/dc/elements/1.1/"/>
+    <ds:schemaRef ds:uri="http://www.w3.org/XML/1998/namespace"/>
+    <ds:schemaRef ds:uri="http://purl.org/dc/dcmitype/"/>
+  </ds:schemaRefs>
+</ds:datastoreItem>
 </file>
 
-<file path=customXml/item3.xml><?xml version="1.0" encoding="utf-8"?>
-<p:properties xmlns:p="http://schemas.microsoft.com/office/2006/metadata/properties" xmlns:xsi="http://www.w3.org/2001/XMLSchema-instance" xmlns:pc="http://schemas.microsoft.com/office/infopath/2007/PartnerControls">
-  <documentManagement>
-    <PublishingExpirationDate xmlns="http://schemas.microsoft.com/sharepoint/v3" xsi:nil="true"/>
-    <PublishingStartDate xmlns="http://schemas.microsoft.com/sharepoint/v3" xsi:nil="true"/>
-  </documentManagement>
-</p:properties>
+<file path=customXml/itemProps2.xml><?xml version="1.0" encoding="utf-8"?>
+<ds:datastoreItem xmlns:ds="http://schemas.openxmlformats.org/officeDocument/2006/customXml" ds:itemID="{2E0637EC-CEA5-409F-B139-003005A14145}">
+  <ds:schemaRefs>
+    <ds:schemaRef ds:uri="http://schemas.microsoft.com/sharepoint/v3/contenttype/forms"/>
+  </ds:schemaRefs>
+</ds:datastoreItem>
 </file>
 
-<file path=customXml/itemProps1.xml><?xml version="1.0" encoding="utf-8"?>
+<file path=customXml/itemProps3.xml><?xml version="1.0" encoding="utf-8"?>
 <ds:datastoreItem xmlns:ds="http://schemas.openxmlformats.org/officeDocument/2006/customXml" ds:itemID="{866DD9C6-787C-4079-86E8-1446954686C6}">
   <ds:schemaRefs>
     <ds:schemaRef ds:uri="http://schemas.microsoft.com/office/2006/metadata/contentType"/>
@@ -8441,28 +8440,4 @@
     <ds:schemaRef ds:uri="http://schemas.microsoft.com/internal/obd"/>
   </ds:schemaRefs>
 </ds:datastoreItem>
-</file>
-
-<file path=customXml/itemProps2.xml><?xml version="1.0" encoding="utf-8"?>
-<ds:datastoreItem xmlns:ds="http://schemas.openxmlformats.org/officeDocument/2006/customXml" ds:itemID="{2E0637EC-CEA5-409F-B139-003005A14145}">
-  <ds:schemaRefs>
-    <ds:schemaRef ds:uri="http://schemas.microsoft.com/sharepoint/v3/contenttype/forms"/>
-  </ds:schemaRefs>
-</ds:datastoreItem>
-</file>
-
-<file path=customXml/itemProps3.xml><?xml version="1.0" encoding="utf-8"?>
-<ds:datastoreItem xmlns:ds="http://schemas.openxmlformats.org/officeDocument/2006/customXml" ds:itemID="{D83787E9-855B-43BD-8382-B7C63B9BC33D}">
-  <ds:schemaRefs>
-    <ds:schemaRef ds:uri="http://schemas.microsoft.com/office/2006/metadata/properties"/>
-    <ds:schemaRef ds:uri="http://schemas.microsoft.com/sharepoint/v3"/>
-    <ds:schemaRef ds:uri="http://purl.org/dc/terms/"/>
-    <ds:schemaRef ds:uri="http://schemas.openxmlformats.org/package/2006/metadata/core-properties"/>
-    <ds:schemaRef ds:uri="http://schemas.microsoft.com/office/2006/documentManagement/types"/>
-    <ds:schemaRef ds:uri="http://schemas.microsoft.com/office/infopath/2007/PartnerControls"/>
-    <ds:schemaRef ds:uri="http://purl.org/dc/elements/1.1/"/>
-    <ds:schemaRef ds:uri="http://www.w3.org/XML/1998/namespace"/>
-    <ds:schemaRef ds:uri="http://purl.org/dc/dcmitype/"/>
-  </ds:schemaRefs>
-</ds:datastoreItem>
 </file>